--- a/NETWORK PROJECT.pptx
+++ b/NETWORK PROJECT.pptx
@@ -116,6 +116,11 @@
       </a:defRPr>
     </a:lvl9pPr>
   </p:defaultTextStyle>
+  <p:extLst>
+    <p:ext uri="{EFAFB233-063F-42B5-8137-9DF3F51BA10A}">
+      <p15:sldGuideLst xmlns:p15="http://schemas.microsoft.com/office/powerpoint/2012/main"/>
+    </p:ext>
+  </p:extLst>
 </p:presentation>
 </file>
 
@@ -7519,7 +7524,12 @@
             <p:ph idx="1"/>
           </p:nvPr>
         </p:nvSpPr>
-        <p:spPr/>
+        <p:spPr>
+          <a:xfrm>
+            <a:off x="1251678" y="2006601"/>
+            <a:ext cx="10178322" cy="3593591"/>
+          </a:xfrm>
+        </p:spPr>
         <p:txBody>
           <a:bodyPr/>
           <a:lstStyle/>
@@ -7537,6 +7547,50 @@
             </a:r>
           </a:p>
           <a:p>
+            <a:pPr algn="l" rtl="0"/>
+            <a:endParaRPr lang="en-US" b="0" i="0" dirty="0">
+              <a:solidFill>
+                <a:srgbClr val="24292F"/>
+              </a:solidFill>
+              <a:effectLst/>
+              <a:latin typeface="ui-monospace"/>
+            </a:endParaRPr>
+          </a:p>
+          <a:p>
+            <a:pPr lvl="1" algn="l" rtl="0"/>
+            <a:r>
+              <a:rPr lang="en-US" dirty="0">
+                <a:solidFill>
+                  <a:srgbClr val="24292F"/>
+                </a:solidFill>
+                <a:latin typeface="ui-monospace"/>
+              </a:rPr>
+              <a:t>Make sure to install PyQt5 python package </a:t>
+            </a:r>
+          </a:p>
+          <a:p>
+            <a:pPr lvl="2" algn="l" rtl="0"/>
+            <a:r>
+              <a:rPr lang="en-US" dirty="0">
+                <a:solidFill>
+                  <a:srgbClr val="24292F"/>
+                </a:solidFill>
+                <a:latin typeface="ui-monospace"/>
+              </a:rPr>
+              <a:t>Pip install PyQt5</a:t>
+            </a:r>
+          </a:p>
+          <a:p>
+            <a:pPr algn="l" rtl="0"/>
+            <a:endParaRPr lang="en-US" b="0" i="0" dirty="0">
+              <a:solidFill>
+                <a:srgbClr val="24292F"/>
+              </a:solidFill>
+              <a:effectLst/>
+              <a:latin typeface="ui-monospace"/>
+            </a:endParaRPr>
+          </a:p>
+          <a:p>
             <a:pPr lvl="1" algn="l" rtl="0"/>
             <a:r>
               <a:rPr lang="en-US" b="0" i="0" dirty="0">
@@ -7571,7 +7625,12 @@
               <a:rPr lang="en-US" dirty="0"/>
               <a:t>python server.py</a:t>
             </a:r>
-            <a:endParaRPr lang="he-IL" dirty="0"/>
+          </a:p>
+          <a:p>
+            <a:pPr marL="1371600" lvl="3" indent="0" algn="l" rtl="0">
+              <a:buNone/>
+            </a:pPr>
+            <a:endParaRPr lang="en-US" dirty="0"/>
           </a:p>
         </p:txBody>
       </p:sp>

--- a/NETWORK PROJECT.pptx
+++ b/NETWORK PROJECT.pptx
@@ -7915,17 +7915,7 @@
                 <a:effectLst/>
                 <a:latin typeface="-apple-system"/>
               </a:rPr>
-              <a:t> &amp; overall </a:t>
-            </a:r>
-            <a:r>
-              <a:rPr lang="en-US" b="1" i="0" dirty="0" err="1">
-                <a:solidFill>
-                  <a:srgbClr val="24292F"/>
-                </a:solidFill>
-                <a:effectLst/>
-                <a:latin typeface="-apple-system"/>
-              </a:rPr>
-              <a:t>functionalty</a:t>
+              <a:t> &amp; overall functionality</a:t>
             </a:r>
             <a:endParaRPr lang="he-IL" dirty="0"/>
           </a:p>
